--- a/Jaroslav_Kotrba_NZZ.pptx
+++ b/Jaroslav_Kotrba_NZZ.pptx
@@ -107,6 +107,11 @@
       </a:defRPr>
     </a:lvl9pPr>
   </p:defaultTextStyle>
+  <p:extLst>
+    <p:ext uri="{EFAFB233-063F-42B5-8137-9DF3F51BA10A}">
+      <p15:sldGuideLst xmlns:p15="http://schemas.microsoft.com/office/powerpoint/2012/main"/>
+    </p:ext>
+  </p:extLst>
 </p:presentation>
 </file>
 
@@ -280,7 +285,7 @@
           <a:p>
             <a:fld id="{48A87A34-81AB-432B-8DAE-1953F412C126}" type="datetimeFigureOut">
               <a:rPr lang="en-US" dirty="0"/>
-              <a:t>6/14/24</a:t>
+              <a:t>6/15/24</a:t>
             </a:fld>
             <a:endParaRPr lang="en-US" dirty="0"/>
           </a:p>
@@ -343,6 +348,9 @@
   <p:clrMapOvr>
     <a:masterClrMapping/>
   </p:clrMapOvr>
+  <p:transition spd="slow">
+    <p:wipe dir="d"/>
+  </p:transition>
 </p:sldLayout>
 </file>
 
@@ -542,7 +550,7 @@
           <a:p>
             <a:fld id="{48A87A34-81AB-432B-8DAE-1953F412C126}" type="datetimeFigureOut">
               <a:rPr lang="en-US" dirty="0"/>
-              <a:t>6/14/24</a:t>
+              <a:t>6/15/24</a:t>
             </a:fld>
             <a:endParaRPr lang="en-US" dirty="0"/>
           </a:p>
@@ -595,6 +603,9 @@
   <p:clrMapOvr>
     <a:masterClrMapping/>
   </p:clrMapOvr>
+  <p:transition spd="slow">
+    <p:wipe dir="d"/>
+  </p:transition>
 </p:sldLayout>
 </file>
 
@@ -769,7 +780,7 @@
             <a:fld id="{48A87A34-81AB-432B-8DAE-1953F412C126}" type="datetimeFigureOut">
               <a:rPr lang="en-US" dirty="0"/>
               <a:pPr/>
-              <a:t>6/14/24</a:t>
+              <a:t>6/15/24</a:t>
             </a:fld>
             <a:endParaRPr lang="en-US" dirty="0"/>
           </a:p>
@@ -832,6 +843,9 @@
   <p:clrMapOvr>
     <a:masterClrMapping/>
   </p:clrMapOvr>
+  <p:transition spd="slow">
+    <p:wipe dir="d"/>
+  </p:transition>
 </p:sldLayout>
 </file>
 
@@ -1075,7 +1089,7 @@
             <a:fld id="{48A87A34-81AB-432B-8DAE-1953F412C126}" type="datetimeFigureOut">
               <a:rPr lang="en-US" dirty="0"/>
               <a:pPr/>
-              <a:t>6/14/24</a:t>
+              <a:t>6/15/24</a:t>
             </a:fld>
             <a:endParaRPr lang="en-US" dirty="0"/>
           </a:p>
@@ -1370,6 +1384,9 @@
   <p:clrMapOvr>
     <a:masterClrMapping/>
   </p:clrMapOvr>
+  <p:transition spd="slow">
+    <p:wipe dir="d"/>
+  </p:transition>
 </p:sldLayout>
 </file>
 
@@ -1544,7 +1561,7 @@
             <a:fld id="{48A87A34-81AB-432B-8DAE-1953F412C126}" type="datetimeFigureOut">
               <a:rPr lang="en-US" dirty="0"/>
               <a:pPr/>
-              <a:t>6/14/24</a:t>
+              <a:t>6/15/24</a:t>
             </a:fld>
             <a:endParaRPr lang="en-US" dirty="0"/>
           </a:p>
@@ -1607,6 +1624,9 @@
   <p:clrMapOvr>
     <a:masterClrMapping/>
   </p:clrMapOvr>
+  <p:transition spd="slow">
+    <p:wipe dir="d"/>
+  </p:transition>
 </p:sldLayout>
 </file>
 
@@ -2086,7 +2106,7 @@
           <a:p>
             <a:fld id="{48A87A34-81AB-432B-8DAE-1953F412C126}" type="datetimeFigureOut">
               <a:rPr lang="en-US" dirty="0"/>
-              <a:t>6/14/24</a:t>
+              <a:t>6/15/24</a:t>
             </a:fld>
             <a:endParaRPr lang="en-US" dirty="0"/>
           </a:p>
@@ -2139,6 +2159,9 @@
   <p:clrMapOvr>
     <a:masterClrMapping/>
   </p:clrMapOvr>
+  <p:transition spd="slow">
+    <p:wipe dir="d"/>
+  </p:transition>
 </p:sldLayout>
 </file>
 
@@ -2855,7 +2878,7 @@
           <a:p>
             <a:fld id="{48A87A34-81AB-432B-8DAE-1953F412C126}" type="datetimeFigureOut">
               <a:rPr lang="en-US" dirty="0"/>
-              <a:t>6/14/24</a:t>
+              <a:t>6/15/24</a:t>
             </a:fld>
             <a:endParaRPr lang="en-US" dirty="0"/>
           </a:p>
@@ -2908,6 +2931,9 @@
   <p:clrMapOvr>
     <a:masterClrMapping/>
   </p:clrMapOvr>
+  <p:transition spd="slow">
+    <p:wipe dir="d"/>
+  </p:transition>
 </p:sldLayout>
 </file>
 
@@ -3025,7 +3051,7 @@
           <a:p>
             <a:fld id="{48A87A34-81AB-432B-8DAE-1953F412C126}" type="datetimeFigureOut">
               <a:rPr lang="en-US" dirty="0"/>
-              <a:t>6/14/24</a:t>
+              <a:t>6/15/24</a:t>
             </a:fld>
             <a:endParaRPr lang="en-US" dirty="0"/>
           </a:p>
@@ -3078,6 +3104,9 @@
   <p:clrMapOvr>
     <a:masterClrMapping/>
   </p:clrMapOvr>
+  <p:transition spd="slow">
+    <p:wipe dir="d"/>
+  </p:transition>
 </p:sldLayout>
 </file>
 
@@ -3244,7 +3273,7 @@
             <a:fld id="{48A87A34-81AB-432B-8DAE-1953F412C126}" type="datetimeFigureOut">
               <a:rPr lang="en-US" dirty="0"/>
               <a:pPr/>
-              <a:t>6/14/24</a:t>
+              <a:t>6/15/24</a:t>
             </a:fld>
             <a:endParaRPr lang="en-US" dirty="0"/>
           </a:p>
@@ -3307,6 +3336,9 @@
   <p:clrMapOvr>
     <a:masterClrMapping/>
   </p:clrMapOvr>
+  <p:transition spd="slow">
+    <p:wipe dir="d"/>
+  </p:transition>
 </p:sldLayout>
 </file>
 
@@ -3419,7 +3451,7 @@
           <a:p>
             <a:fld id="{48A87A34-81AB-432B-8DAE-1953F412C126}" type="datetimeFigureOut">
               <a:rPr lang="en-US" dirty="0"/>
-              <a:t>6/14/24</a:t>
+              <a:t>6/15/24</a:t>
             </a:fld>
             <a:endParaRPr lang="en-US" dirty="0"/>
           </a:p>
@@ -3472,6 +3504,9 @@
   <p:clrMapOvr>
     <a:masterClrMapping/>
   </p:clrMapOvr>
+  <p:transition spd="slow">
+    <p:wipe dir="d"/>
+  </p:transition>
 </p:sldLayout>
 </file>
 
@@ -3704,7 +3739,7 @@
             <a:fld id="{48A87A34-81AB-432B-8DAE-1953F412C126}" type="datetimeFigureOut">
               <a:rPr lang="en-US" dirty="0"/>
               <a:pPr/>
-              <a:t>6/14/24</a:t>
+              <a:t>6/15/24</a:t>
             </a:fld>
             <a:endParaRPr lang="en-US" dirty="0"/>
           </a:p>
@@ -3767,6 +3802,9 @@
   <p:clrMapOvr>
     <a:masterClrMapping/>
   </p:clrMapOvr>
+  <p:transition spd="slow">
+    <p:wipe dir="d"/>
+  </p:transition>
 </p:sldLayout>
 </file>
 
@@ -3941,7 +3979,7 @@
           <a:p>
             <a:fld id="{48A87A34-81AB-432B-8DAE-1953F412C126}" type="datetimeFigureOut">
               <a:rPr lang="en-US" dirty="0"/>
-              <a:t>6/14/24</a:t>
+              <a:t>6/15/24</a:t>
             </a:fld>
             <a:endParaRPr lang="en-US" dirty="0"/>
           </a:p>
@@ -3994,6 +4032,9 @@
   <p:clrMapOvr>
     <a:masterClrMapping/>
   </p:clrMapOvr>
+  <p:transition spd="slow">
+    <p:wipe dir="d"/>
+  </p:transition>
 </p:sldLayout>
 </file>
 
@@ -4315,7 +4356,7 @@
           <a:p>
             <a:fld id="{48A87A34-81AB-432B-8DAE-1953F412C126}" type="datetimeFigureOut">
               <a:rPr lang="en-US" dirty="0"/>
-              <a:t>6/14/24</a:t>
+              <a:t>6/15/24</a:t>
             </a:fld>
             <a:endParaRPr lang="en-US" dirty="0"/>
           </a:p>
@@ -4368,6 +4409,9 @@
   <p:clrMapOvr>
     <a:masterClrMapping/>
   </p:clrMapOvr>
+  <p:transition spd="slow">
+    <p:wipe dir="d"/>
+  </p:transition>
 </p:sldLayout>
 </file>
 
@@ -4428,7 +4472,7 @@
           <a:p>
             <a:fld id="{48A87A34-81AB-432B-8DAE-1953F412C126}" type="datetimeFigureOut">
               <a:rPr lang="en-US" dirty="0"/>
-              <a:t>6/14/24</a:t>
+              <a:t>6/15/24</a:t>
             </a:fld>
             <a:endParaRPr lang="en-US" dirty="0"/>
           </a:p>
@@ -4481,6 +4525,9 @@
   <p:clrMapOvr>
     <a:masterClrMapping/>
   </p:clrMapOvr>
+  <p:transition spd="slow">
+    <p:wipe dir="d"/>
+  </p:transition>
 </p:sldLayout>
 </file>
 
@@ -4518,7 +4565,7 @@
           <a:p>
             <a:fld id="{48A87A34-81AB-432B-8DAE-1953F412C126}" type="datetimeFigureOut">
               <a:rPr lang="en-US" dirty="0"/>
-              <a:t>6/14/24</a:t>
+              <a:t>6/15/24</a:t>
             </a:fld>
             <a:endParaRPr lang="en-US" dirty="0"/>
           </a:p>
@@ -4571,6 +4618,9 @@
   <p:clrMapOvr>
     <a:masterClrMapping/>
   </p:clrMapOvr>
+  <p:transition spd="slow">
+    <p:wipe dir="d"/>
+  </p:transition>
 </p:sldLayout>
 </file>
 
@@ -4762,7 +4812,7 @@
           <a:p>
             <a:fld id="{48A87A34-81AB-432B-8DAE-1953F412C126}" type="datetimeFigureOut">
               <a:rPr lang="en-US" dirty="0"/>
-              <a:t>6/14/24</a:t>
+              <a:t>6/15/24</a:t>
             </a:fld>
             <a:endParaRPr lang="en-US" dirty="0"/>
           </a:p>
@@ -4815,6 +4865,9 @@
   <p:clrMapOvr>
     <a:masterClrMapping/>
   </p:clrMapOvr>
+  <p:transition spd="slow">
+    <p:wipe dir="d"/>
+  </p:transition>
 </p:sldLayout>
 </file>
 
@@ -5014,7 +5067,7 @@
           <a:p>
             <a:fld id="{48A87A34-81AB-432B-8DAE-1953F412C126}" type="datetimeFigureOut">
               <a:rPr lang="en-US" dirty="0"/>
-              <a:t>6/14/24</a:t>
+              <a:t>6/15/24</a:t>
             </a:fld>
             <a:endParaRPr lang="en-US" dirty="0"/>
           </a:p>
@@ -5067,6 +5120,9 @@
   <p:clrMapOvr>
     <a:masterClrMapping/>
   </p:clrMapOvr>
+  <p:transition spd="slow">
+    <p:wipe dir="d"/>
+  </p:transition>
 </p:sldLayout>
 </file>
 
@@ -5253,7 +5309,7 @@
             <a:fld id="{48A87A34-81AB-432B-8DAE-1953F412C126}" type="datetimeFigureOut">
               <a:rPr lang="en-US" dirty="0"/>
               <a:pPr/>
-              <a:t>6/14/24</a:t>
+              <a:t>6/15/24</a:t>
             </a:fld>
             <a:endParaRPr lang="en-US" dirty="0"/>
           </a:p>
@@ -5360,6 +5416,9 @@
     <p:sldLayoutId id="2147483658" r:id="rId16"/>
     <p:sldLayoutId id="2147483659" r:id="rId17"/>
   </p:sldLayoutIdLst>
+  <p:transition spd="slow">
+    <p:wipe dir="d"/>
+  </p:transition>
   <p:txStyles>
     <p:titleStyle>
       <a:lvl1pPr algn="r" defTabSz="914400" rtl="0" eaLnBrk="1" latinLnBrk="0" hangingPunct="1">
@@ -5685,7 +5744,10 @@
           <a:p>
             <a:pPr algn="ctr"/>
             <a:r>
-              <a:rPr lang="en-US" sz="9600" dirty="0"/>
+              <a:rPr lang="en-US" sz="9600" dirty="0">
+                <a:latin typeface="Times New Roman" panose="02020603050405020304" pitchFamily="18" charset="0"/>
+                <a:cs typeface="Times New Roman" panose="02020603050405020304" pitchFamily="18" charset="0"/>
+              </a:rPr>
               <a:t>NZZ</a:t>
             </a:r>
           </a:p>
@@ -5739,6 +5801,9 @@
   <p:clrMapOvr>
     <a:masterClrMapping/>
   </p:clrMapOvr>
+  <p:transition spd="slow">
+    <p:wipe dir="d"/>
+  </p:transition>
 </p:sld>
 </file>
 
@@ -5817,7 +5882,7 @@
           <a:p>
             <a:r>
               <a:rPr lang="en-US" dirty="0"/>
-              <a:t>To identify and display the best-performing article of the day based on various engagement metrics in real-time.</a:t>
+              <a:t>To identify and display the best-performing article of the day based on various engagement metrics in real-time</a:t>
             </a:r>
           </a:p>
           <a:p>
@@ -5843,7 +5908,7 @@
             </a:r>
             <a:r>
               <a:rPr lang="en-US" dirty="0"/>
-              <a:t>: Total number of views an article receives.</a:t>
+              <a:t>: user engagement (+ button) – attracted due to article name</a:t>
             </a:r>
           </a:p>
           <a:p>
@@ -5857,7 +5922,7 @@
             </a:r>
             <a:r>
               <a:rPr lang="en-US" dirty="0"/>
-              <a:t>: Number of subscriptions generated from the article.</a:t>
+              <a:t>: generate revenue – important metric</a:t>
             </a:r>
           </a:p>
           <a:p>
@@ -5871,7 +5936,7 @@
             </a:r>
             <a:r>
               <a:rPr lang="en-US" dirty="0"/>
-              <a:t>: Number of comments an article receives.</a:t>
+              <a:t>: resonates across readers – could be misleading</a:t>
             </a:r>
           </a:p>
           <a:p>
@@ -5885,7 +5950,7 @@
             </a:r>
             <a:r>
               <a:rPr lang="en-US" dirty="0"/>
-              <a:t>: Number of times an article is shared on social media.</a:t>
+              <a:t>: promotion of the article – can bring new subscriptions</a:t>
             </a:r>
           </a:p>
           <a:p>
@@ -5903,6 +5968,9 @@
   <p:clrMapOvr>
     <a:masterClrMapping/>
   </p:clrMapOvr>
+  <p:transition spd="slow">
+    <p:wipe dir="d"/>
+  </p:transition>
 </p:sld>
 </file>
 
@@ -5971,13 +6039,13 @@
         <p:spPr/>
         <p:txBody>
           <a:bodyPr>
-            <a:normAutofit fontScale="62500" lnSpcReduction="20000"/>
+            <a:normAutofit fontScale="92500" lnSpcReduction="10000"/>
           </a:bodyPr>
           <a:lstStyle/>
           <a:p>
             <a:r>
               <a:rPr lang="en-US" b="1" dirty="0"/>
-              <a:t>Data Collection and Integration</a:t>
+              <a:t>Subscription vs. Views</a:t>
             </a:r>
             <a:r>
               <a:rPr lang="en-US" dirty="0"/>
@@ -5995,13 +6063,14 @@
             </a:r>
             <a:r>
               <a:rPr lang="en-US" dirty="0"/>
-              <a:t>: Collect real-time data on views, subscriptions, comments, and shares from the database and integrate it into a centralized data warehouse.</a:t>
-            </a:r>
+              <a:t>: divide views by subscription – how many views for one subscription action</a:t>
+            </a:r>
+            <a:endParaRPr lang="en-US" b="1" dirty="0"/>
           </a:p>
           <a:p>
             <a:r>
               <a:rPr lang="en-US" b="1" dirty="0"/>
-              <a:t>Data Processing and Weighting</a:t>
+              <a:t>Data Weighting</a:t>
             </a:r>
             <a:r>
               <a:rPr lang="en-US" dirty="0"/>
@@ -6019,7 +6088,7 @@
             </a:r>
             <a:r>
               <a:rPr lang="en-US" dirty="0"/>
-              <a:t>: Normalize and clean the data. Apply weighting to each metric based on its importance. For instance:</a:t>
+              <a:t>: apply weighting to each metric based on its importance and sum defined by business (SA):</a:t>
             </a:r>
           </a:p>
           <a:p>
@@ -6029,7 +6098,7 @@
             </a:pPr>
             <a:r>
               <a:rPr lang="en-US" dirty="0"/>
-              <a:t>Article Views: 40%</a:t>
+              <a:t>Article Views: 5%</a:t>
             </a:r>
           </a:p>
           <a:p>
@@ -6039,7 +6108,7 @@
             </a:pPr>
             <a:r>
               <a:rPr lang="en-US" dirty="0"/>
-              <a:t>Subscriptions per Article: 30%</a:t>
+              <a:t>Subscriptions per Article: 45%</a:t>
             </a:r>
           </a:p>
           <a:p>
@@ -6059,7 +6128,7 @@
             </a:pPr>
             <a:r>
               <a:rPr lang="en-US" dirty="0"/>
-              <a:t>Shares per Article: 10%</a:t>
+              <a:t>Shares per Article: 30%</a:t>
             </a:r>
           </a:p>
           <a:p>
@@ -6083,55 +6152,7 @@
             </a:r>
             <a:r>
               <a:rPr lang="en-US" dirty="0"/>
-              <a:t>: Develop a scoring algorithm that combines the weighted metrics to give each article a performance score.</a:t>
-            </a:r>
-          </a:p>
-          <a:p>
-            <a:r>
-              <a:rPr lang="en-US" b="1" dirty="0"/>
-              <a:t>Dashboard Development</a:t>
-            </a:r>
-            <a:r>
-              <a:rPr lang="en-US" dirty="0"/>
-              <a:t>:</a:t>
-            </a:r>
-          </a:p>
-          <a:p>
-            <a:pPr>
-              <a:buFont typeface="Arial" panose="020B0604020202020204" pitchFamily="34" charset="0"/>
-              <a:buChar char="•"/>
-            </a:pPr>
-            <a:r>
-              <a:rPr lang="en-US" b="1" dirty="0"/>
-              <a:t>Action</a:t>
-            </a:r>
-            <a:r>
-              <a:rPr lang="en-US" dirty="0"/>
-              <a:t>: Design and implement a real-time dashboard to display the top-performing articles using tools like Tableau, Power BI, or a custom-built solution.</a:t>
-            </a:r>
-          </a:p>
-          <a:p>
-            <a:r>
-              <a:rPr lang="en-US" b="1" dirty="0"/>
-              <a:t>Real-time Updates</a:t>
-            </a:r>
-            <a:r>
-              <a:rPr lang="en-US" dirty="0"/>
-              <a:t>:</a:t>
-            </a:r>
-          </a:p>
-          <a:p>
-            <a:pPr>
-              <a:buFont typeface="Arial" panose="020B0604020202020204" pitchFamily="34" charset="0"/>
-              <a:buChar char="•"/>
-            </a:pPr>
-            <a:r>
-              <a:rPr lang="en-US" b="1" dirty="0"/>
-              <a:t>Action</a:t>
-            </a:r>
-            <a:r>
-              <a:rPr lang="en-US" dirty="0"/>
-              <a:t>: Set up real-time data feeds and automated updates to ensure the dashboard is always current.</a:t>
+              <a:t>: Develop a scoring model based on successful  past articles with labels to give each article a performance score based on usage of coefficients (IRB).</a:t>
             </a:r>
           </a:p>
           <a:p>
@@ -6149,6 +6170,9 @@
   <p:clrMapOvr>
     <a:masterClrMapping/>
   </p:clrMapOvr>
+  <p:transition spd="slow">
+    <p:wipe dir="d"/>
+  </p:transition>
 </p:sld>
 </file>
 
@@ -6193,7 +6217,7 @@
             <a:pPr algn="ctr"/>
             <a:r>
               <a:rPr lang="en-US" dirty="0"/>
-              <a:t>Implementation and Continuous Improvement</a:t>
+              <a:t>composite score</a:t>
             </a:r>
           </a:p>
         </p:txBody>
@@ -6217,166 +6241,111 @@
         <p:spPr/>
         <p:txBody>
           <a:bodyPr>
-            <a:normAutofit fontScale="70000" lnSpcReduction="20000"/>
+            <a:normAutofit fontScale="92500" lnSpcReduction="10000"/>
           </a:bodyPr>
           <a:lstStyle/>
           <a:p>
             <a:r>
               <a:rPr lang="en-US" b="1" dirty="0"/>
-              <a:t>Implementation Plan:</a:t>
-            </a:r>
-          </a:p>
-          <a:p>
-            <a:pPr>
-              <a:buFont typeface="Arial" panose="020B0604020202020204" pitchFamily="34" charset="0"/>
-              <a:buChar char="•"/>
+              <a:t>Step 1: Normalize the Metrics</a:t>
+            </a:r>
+          </a:p>
+          <a:p>
+            <a:r>
+              <a:rPr lang="en-US" dirty="0"/>
+              <a:t>Normalization can be done using min-max normalization:</a:t>
+            </a:r>
+          </a:p>
+          <a:p>
+            <a:pPr marL="457200" lvl="1" indent="0">
+              <a:buNone/>
             </a:pPr>
             <a:r>
+              <a:rPr lang="en-US" dirty="0"/>
+              <a:t>Actual Value – Minimum Value / Maximum Value – Minimum Value</a:t>
+            </a:r>
+          </a:p>
+          <a:p>
+            <a:r>
               <a:rPr lang="en-US" b="1" dirty="0"/>
-              <a:t>Phase 1</a:t>
-            </a:r>
+              <a:t>Step 2: Assign Weights</a:t>
+            </a:r>
+          </a:p>
+          <a:p>
             <a:r>
               <a:rPr lang="en-US" dirty="0"/>
-              <a:t>: Pilot Testing</a:t>
-            </a:r>
-          </a:p>
-          <a:p>
-            <a:pPr marL="742950" lvl="1" indent="-285750">
-              <a:buFont typeface="Arial" panose="020B0604020202020204" pitchFamily="34" charset="0"/>
-              <a:buChar char="•"/>
+              <a:t>Assume we assign the following weights </a:t>
+            </a:r>
+          </a:p>
+          <a:p>
+            <a:pPr lvl="1"/>
+            <a:r>
+              <a:rPr lang="en-US" dirty="0"/>
+              <a:t>Subscriptions per Article: 25%</a:t>
+            </a:r>
+          </a:p>
+          <a:p>
+            <a:pPr lvl="1"/>
+            <a:r>
+              <a:rPr lang="en-US" dirty="0"/>
+              <a:t>Comments per Article: 25%</a:t>
+            </a:r>
+          </a:p>
+          <a:p>
+            <a:pPr lvl="1"/>
+            <a:r>
+              <a:rPr lang="en-US" dirty="0"/>
+              <a:t>Shares per Article: 25%</a:t>
+            </a:r>
+          </a:p>
+          <a:p>
+            <a:pPr lvl="1"/>
+            <a:r>
+              <a:rPr lang="en-US" dirty="0"/>
+              <a:t>Article Views: 25%</a:t>
+            </a:r>
+          </a:p>
+          <a:p>
+            <a:r>
+              <a:rPr lang="en-US" b="1" dirty="0"/>
+              <a:t>Step 3: Calculate Composite Score</a:t>
+            </a:r>
+          </a:p>
+          <a:p>
+            <a:pPr marL="457200" lvl="1" indent="0">
+              <a:lnSpc>
+                <a:spcPct val="100000"/>
+              </a:lnSpc>
+              <a:buNone/>
             </a:pPr>
             <a:r>
               <a:rPr lang="en-US" dirty="0"/>
-              <a:t>Conduct a trial run with a subset of data to refine the algorithm and dashboard design.</a:t>
-            </a:r>
-          </a:p>
-          <a:p>
-            <a:pPr>
-              <a:buFont typeface="Arial" panose="020B0604020202020204" pitchFamily="34" charset="0"/>
-              <a:buChar char="•"/>
+              <a:t>Future of AI: ( 1 × 0.25 ) + ( 0 × 0.25 ) + ( 0 × 0.25 ) + ( 0 × 0.25 ) = 0.25 </a:t>
+            </a:r>
+          </a:p>
+          <a:p>
+            <a:pPr marL="457200" lvl="1" indent="0">
+              <a:lnSpc>
+                <a:spcPct val="100000"/>
+              </a:lnSpc>
+              <a:buNone/>
             </a:pPr>
             <a:r>
-              <a:rPr lang="en-US" b="1" dirty="0"/>
-              <a:t>Phase 2</a:t>
-            </a:r>
-            <a:r>
               <a:rPr lang="en-US" dirty="0"/>
-              <a:t>: Full Deployment</a:t>
-            </a:r>
-          </a:p>
-          <a:p>
-            <a:pPr marL="742950" lvl="1" indent="-285750">
-              <a:buFont typeface="Arial" panose="020B0604020202020204" pitchFamily="34" charset="0"/>
-              <a:buChar char="•"/>
+              <a:t>Global Economy: ( 0 × 0.25 ) + ( 1 × 0.25 ) + ( 1 × 0.25 ) + ( 1 × 0.25 ) = 0.75</a:t>
+            </a:r>
+          </a:p>
+          <a:p>
+            <a:pPr marL="0" indent="0">
+              <a:buNone/>
             </a:pPr>
-            <a:r>
-              <a:rPr lang="en-US" dirty="0"/>
-              <a:t>Roll out the solution across the organization with training sessions for key stakeholders.</a:t>
-            </a:r>
-          </a:p>
-          <a:p>
-            <a:r>
-              <a:rPr lang="en-US" b="1" dirty="0"/>
-              <a:t>Continuous Improvement:</a:t>
-            </a:r>
-          </a:p>
-          <a:p>
-            <a:pPr>
-              <a:buFont typeface="Arial" panose="020B0604020202020204" pitchFamily="34" charset="0"/>
-              <a:buChar char="•"/>
+            <a:endParaRPr lang="en-US" dirty="0"/>
+          </a:p>
+          <a:p>
+            <a:pPr marL="0" indent="0">
+              <a:buNone/>
             </a:pPr>
-            <a:r>
-              <a:rPr lang="en-US" b="1" dirty="0"/>
-              <a:t>Feedback Loop</a:t>
-            </a:r>
-            <a:r>
-              <a:rPr lang="en-US" dirty="0"/>
-              <a:t>:</a:t>
-            </a:r>
-          </a:p>
-          <a:p>
-            <a:pPr marL="742950" lvl="1" indent="-285750">
-              <a:buFont typeface="Arial" panose="020B0604020202020204" pitchFamily="34" charset="0"/>
-              <a:buChar char="•"/>
-            </a:pPr>
-            <a:r>
-              <a:rPr lang="en-US" dirty="0"/>
-              <a:t>Collect feedback from editors, journalists, and other users to improve the dashboard’s functionality and accuracy.</a:t>
-            </a:r>
-          </a:p>
-          <a:p>
-            <a:pPr>
-              <a:buFont typeface="Arial" panose="020B0604020202020204" pitchFamily="34" charset="0"/>
-              <a:buChar char="•"/>
-            </a:pPr>
-            <a:r>
-              <a:rPr lang="en-US" b="1" dirty="0"/>
-              <a:t>Performance Monitoring</a:t>
-            </a:r>
-            <a:r>
-              <a:rPr lang="en-US" dirty="0"/>
-              <a:t>:</a:t>
-            </a:r>
-          </a:p>
-          <a:p>
-            <a:pPr marL="742950" lvl="1" indent="-285750">
-              <a:buFont typeface="Arial" panose="020B0604020202020204" pitchFamily="34" charset="0"/>
-              <a:buChar char="•"/>
-            </a:pPr>
-            <a:r>
-              <a:rPr lang="en-US" dirty="0"/>
-              <a:t>Regularly monitor the system's performance and make necessary adjustments to the scoring algorithm and data integration processes.</a:t>
-            </a:r>
-          </a:p>
-          <a:p>
-            <a:r>
-              <a:rPr lang="en-US" b="1" dirty="0"/>
-              <a:t>Visualization Example:</a:t>
-            </a:r>
-          </a:p>
-          <a:p>
-            <a:pPr>
-              <a:buFont typeface="Arial" panose="020B0604020202020204" pitchFamily="34" charset="0"/>
-              <a:buChar char="•"/>
-            </a:pPr>
-            <a:r>
-              <a:rPr lang="en-US" b="1" dirty="0"/>
-              <a:t>Dashboard Components</a:t>
-            </a:r>
-            <a:r>
-              <a:rPr lang="en-US" dirty="0"/>
-              <a:t>:</a:t>
-            </a:r>
-          </a:p>
-          <a:p>
-            <a:pPr marL="742950" lvl="1" indent="-285750">
-              <a:buFont typeface="Arial" panose="020B0604020202020204" pitchFamily="34" charset="0"/>
-              <a:buChar char="•"/>
-            </a:pPr>
-            <a:r>
-              <a:rPr lang="en-US" dirty="0"/>
-              <a:t>Real-time list of top-performing articles.</a:t>
-            </a:r>
-          </a:p>
-          <a:p>
-            <a:pPr marL="742950" lvl="1" indent="-285750">
-              <a:buFont typeface="Arial" panose="020B0604020202020204" pitchFamily="34" charset="0"/>
-              <a:buChar char="•"/>
-            </a:pPr>
-            <a:r>
-              <a:rPr lang="en-US" dirty="0"/>
-              <a:t>Interactive graphs showing trends over time.</a:t>
-            </a:r>
-          </a:p>
-          <a:p>
-            <a:pPr marL="742950" lvl="1" indent="-285750">
-              <a:buFont typeface="Arial" panose="020B0604020202020204" pitchFamily="34" charset="0"/>
-              <a:buChar char="•"/>
-            </a:pPr>
-            <a:r>
-              <a:rPr lang="en-US" dirty="0"/>
-              <a:t>Filters to view data by article and metrics</a:t>
-            </a:r>
+            <a:endParaRPr lang="en-US" dirty="0"/>
           </a:p>
         </p:txBody>
       </p:sp>
@@ -6390,6 +6359,9 @@
   <p:clrMapOvr>
     <a:masterClrMapping/>
   </p:clrMapOvr>
+  <p:transition spd="slow">
+    <p:wipe dir="d"/>
+  </p:transition>
 </p:sld>
 </file>
 

--- a/Jaroslav_Kotrba_NZZ.pptx
+++ b/Jaroslav_Kotrba_NZZ.pptx
@@ -285,7 +285,7 @@
           <a:p>
             <a:fld id="{48A87A34-81AB-432B-8DAE-1953F412C126}" type="datetimeFigureOut">
               <a:rPr lang="en-US" dirty="0"/>
-              <a:t>6/15/24</a:t>
+              <a:t>6/16/24</a:t>
             </a:fld>
             <a:endParaRPr lang="en-US" dirty="0"/>
           </a:p>
@@ -550,7 +550,7 @@
           <a:p>
             <a:fld id="{48A87A34-81AB-432B-8DAE-1953F412C126}" type="datetimeFigureOut">
               <a:rPr lang="en-US" dirty="0"/>
-              <a:t>6/15/24</a:t>
+              <a:t>6/16/24</a:t>
             </a:fld>
             <a:endParaRPr lang="en-US" dirty="0"/>
           </a:p>
@@ -780,7 +780,7 @@
             <a:fld id="{48A87A34-81AB-432B-8DAE-1953F412C126}" type="datetimeFigureOut">
               <a:rPr lang="en-US" dirty="0"/>
               <a:pPr/>
-              <a:t>6/15/24</a:t>
+              <a:t>6/16/24</a:t>
             </a:fld>
             <a:endParaRPr lang="en-US" dirty="0"/>
           </a:p>
@@ -1089,7 +1089,7 @@
             <a:fld id="{48A87A34-81AB-432B-8DAE-1953F412C126}" type="datetimeFigureOut">
               <a:rPr lang="en-US" dirty="0"/>
               <a:pPr/>
-              <a:t>6/15/24</a:t>
+              <a:t>6/16/24</a:t>
             </a:fld>
             <a:endParaRPr lang="en-US" dirty="0"/>
           </a:p>
@@ -1561,7 +1561,7 @@
             <a:fld id="{48A87A34-81AB-432B-8DAE-1953F412C126}" type="datetimeFigureOut">
               <a:rPr lang="en-US" dirty="0"/>
               <a:pPr/>
-              <a:t>6/15/24</a:t>
+              <a:t>6/16/24</a:t>
             </a:fld>
             <a:endParaRPr lang="en-US" dirty="0"/>
           </a:p>
@@ -2106,7 +2106,7 @@
           <a:p>
             <a:fld id="{48A87A34-81AB-432B-8DAE-1953F412C126}" type="datetimeFigureOut">
               <a:rPr lang="en-US" dirty="0"/>
-              <a:t>6/15/24</a:t>
+              <a:t>6/16/24</a:t>
             </a:fld>
             <a:endParaRPr lang="en-US" dirty="0"/>
           </a:p>
@@ -2878,7 +2878,7 @@
           <a:p>
             <a:fld id="{48A87A34-81AB-432B-8DAE-1953F412C126}" type="datetimeFigureOut">
               <a:rPr lang="en-US" dirty="0"/>
-              <a:t>6/15/24</a:t>
+              <a:t>6/16/24</a:t>
             </a:fld>
             <a:endParaRPr lang="en-US" dirty="0"/>
           </a:p>
@@ -3051,7 +3051,7 @@
           <a:p>
             <a:fld id="{48A87A34-81AB-432B-8DAE-1953F412C126}" type="datetimeFigureOut">
               <a:rPr lang="en-US" dirty="0"/>
-              <a:t>6/15/24</a:t>
+              <a:t>6/16/24</a:t>
             </a:fld>
             <a:endParaRPr lang="en-US" dirty="0"/>
           </a:p>
@@ -3273,7 +3273,7 @@
             <a:fld id="{48A87A34-81AB-432B-8DAE-1953F412C126}" type="datetimeFigureOut">
               <a:rPr lang="en-US" dirty="0"/>
               <a:pPr/>
-              <a:t>6/15/24</a:t>
+              <a:t>6/16/24</a:t>
             </a:fld>
             <a:endParaRPr lang="en-US" dirty="0"/>
           </a:p>
@@ -3451,7 +3451,7 @@
           <a:p>
             <a:fld id="{48A87A34-81AB-432B-8DAE-1953F412C126}" type="datetimeFigureOut">
               <a:rPr lang="en-US" dirty="0"/>
-              <a:t>6/15/24</a:t>
+              <a:t>6/16/24</a:t>
             </a:fld>
             <a:endParaRPr lang="en-US" dirty="0"/>
           </a:p>
@@ -3739,7 +3739,7 @@
             <a:fld id="{48A87A34-81AB-432B-8DAE-1953F412C126}" type="datetimeFigureOut">
               <a:rPr lang="en-US" dirty="0"/>
               <a:pPr/>
-              <a:t>6/15/24</a:t>
+              <a:t>6/16/24</a:t>
             </a:fld>
             <a:endParaRPr lang="en-US" dirty="0"/>
           </a:p>
@@ -3979,7 +3979,7 @@
           <a:p>
             <a:fld id="{48A87A34-81AB-432B-8DAE-1953F412C126}" type="datetimeFigureOut">
               <a:rPr lang="en-US" dirty="0"/>
-              <a:t>6/15/24</a:t>
+              <a:t>6/16/24</a:t>
             </a:fld>
             <a:endParaRPr lang="en-US" dirty="0"/>
           </a:p>
@@ -4356,7 +4356,7 @@
           <a:p>
             <a:fld id="{48A87A34-81AB-432B-8DAE-1953F412C126}" type="datetimeFigureOut">
               <a:rPr lang="en-US" dirty="0"/>
-              <a:t>6/15/24</a:t>
+              <a:t>6/16/24</a:t>
             </a:fld>
             <a:endParaRPr lang="en-US" dirty="0"/>
           </a:p>
@@ -4472,7 +4472,7 @@
           <a:p>
             <a:fld id="{48A87A34-81AB-432B-8DAE-1953F412C126}" type="datetimeFigureOut">
               <a:rPr lang="en-US" dirty="0"/>
-              <a:t>6/15/24</a:t>
+              <a:t>6/16/24</a:t>
             </a:fld>
             <a:endParaRPr lang="en-US" dirty="0"/>
           </a:p>
@@ -4565,7 +4565,7 @@
           <a:p>
             <a:fld id="{48A87A34-81AB-432B-8DAE-1953F412C126}" type="datetimeFigureOut">
               <a:rPr lang="en-US" dirty="0"/>
-              <a:t>6/15/24</a:t>
+              <a:t>6/16/24</a:t>
             </a:fld>
             <a:endParaRPr lang="en-US" dirty="0"/>
           </a:p>
@@ -4812,7 +4812,7 @@
           <a:p>
             <a:fld id="{48A87A34-81AB-432B-8DAE-1953F412C126}" type="datetimeFigureOut">
               <a:rPr lang="en-US" dirty="0"/>
-              <a:t>6/15/24</a:t>
+              <a:t>6/16/24</a:t>
             </a:fld>
             <a:endParaRPr lang="en-US" dirty="0"/>
           </a:p>
@@ -5067,7 +5067,7 @@
           <a:p>
             <a:fld id="{48A87A34-81AB-432B-8DAE-1953F412C126}" type="datetimeFigureOut">
               <a:rPr lang="en-US" dirty="0"/>
-              <a:t>6/15/24</a:t>
+              <a:t>6/16/24</a:t>
             </a:fld>
             <a:endParaRPr lang="en-US" dirty="0"/>
           </a:p>
@@ -5309,7 +5309,7 @@
             <a:fld id="{48A87A34-81AB-432B-8DAE-1953F412C126}" type="datetimeFigureOut">
               <a:rPr lang="en-US" dirty="0"/>
               <a:pPr/>
-              <a:t>6/15/24</a:t>
+              <a:t>6/16/24</a:t>
             </a:fld>
             <a:endParaRPr lang="en-US" dirty="0"/>
           </a:p>
@@ -6053,17 +6053,13 @@
             </a:r>
           </a:p>
           <a:p>
-            <a:pPr>
-              <a:buFont typeface="Arial" panose="020B0604020202020204" pitchFamily="34" charset="0"/>
-              <a:buChar char="•"/>
-            </a:pPr>
             <a:r>
               <a:rPr lang="en-US" b="1" dirty="0"/>
               <a:t>Action</a:t>
             </a:r>
             <a:r>
               <a:rPr lang="en-US" dirty="0"/>
-              <a:t>: divide views by subscription – how many views for one subscription action</a:t>
+              <a:t>: divide views by subscription – how many views per one subscription action</a:t>
             </a:r>
             <a:endParaRPr lang="en-US" b="1" dirty="0"/>
           </a:p>
